--- a/PPTs/L7.3 Policy-based RL.pptx
+++ b/PPTs/L7.3 Policy-based RL.pptx
@@ -4320,8 +4320,8 @@
         </p:nvSpPr>
         <p:spPr/>
       </p:sp>
-      <mc:AlternateContent xmlns:mc="http://schemas.openxmlformats.org/markup-compatibility/2006">
-        <mc:Choice xmlns:a14="http://schemas.microsoft.com/office/drawing/2010/main" Requires="a14">
+      <mc:AlternateContent xmlns:mc="http://schemas.openxmlformats.org/markup-compatibility/2006" xmlns:a14="http://schemas.microsoft.com/office/drawing/2010/main">
+        <mc:Choice Requires="a14">
           <p:sp>
             <p:nvSpPr>
               <p:cNvPr id="3" name="Notes Placeholder 2"/>
@@ -4693,7 +4693,7 @@
             </p:txBody>
           </p:sp>
         </mc:Choice>
-        <mc:Fallback>
+        <mc:Fallback xmlns="">
           <p:sp>
             <p:nvSpPr>
               <p:cNvPr id="3" name="Notes Placeholder 2"/>
@@ -13337,8 +13337,8 @@
           </a:p>
         </p:txBody>
       </p:sp>
-      <mc:AlternateContent xmlns:mc="http://schemas.openxmlformats.org/markup-compatibility/2006">
-        <mc:Choice xmlns:a14="http://schemas.microsoft.com/office/drawing/2010/main" Requires="a14">
+      <mc:AlternateContent xmlns:mc="http://schemas.openxmlformats.org/markup-compatibility/2006" xmlns:a14="http://schemas.microsoft.com/office/drawing/2010/main">
+        <mc:Choice Requires="a14">
           <p:sp>
             <p:nvSpPr>
               <p:cNvPr id="3" name="Content Placeholder 2">
@@ -13653,7 +13653,7 @@
             </p:txBody>
           </p:sp>
         </mc:Choice>
-        <mc:Fallback>
+        <mc:Fallback xmlns="">
           <p:sp>
             <p:nvSpPr>
               <p:cNvPr id="3" name="Content Placeholder 2">
@@ -13762,8 +13762,8 @@
           </a:p>
         </p:txBody>
       </p:sp>
-      <mc:AlternateContent xmlns:mc="http://schemas.openxmlformats.org/markup-compatibility/2006">
-        <mc:Choice xmlns:a14="http://schemas.microsoft.com/office/drawing/2010/main" Requires="a14">
+      <mc:AlternateContent xmlns:mc="http://schemas.openxmlformats.org/markup-compatibility/2006" xmlns:a14="http://schemas.microsoft.com/office/drawing/2010/main">
+        <mc:Choice Requires="a14">
           <p:sp>
             <p:nvSpPr>
               <p:cNvPr id="3" name="Content Placeholder 2">
@@ -14556,7 +14556,7 @@
             </p:txBody>
           </p:sp>
         </mc:Choice>
-        <mc:Fallback>
+        <mc:Fallback xmlns="">
           <p:sp>
             <p:nvSpPr>
               <p:cNvPr id="3" name="Content Placeholder 2">
@@ -15357,8 +15357,8 @@
           <a:effectLst/>
         </p:spPr>
       </p:cxnSp>
-      <mc:AlternateContent xmlns:mc="http://schemas.openxmlformats.org/markup-compatibility/2006">
-        <mc:Choice xmlns:a14="http://schemas.microsoft.com/office/drawing/2010/main" Requires="a14">
+      <mc:AlternateContent xmlns:mc="http://schemas.openxmlformats.org/markup-compatibility/2006" xmlns:a14="http://schemas.microsoft.com/office/drawing/2010/main">
+        <mc:Choice Requires="a14">
           <p:sp>
             <p:nvSpPr>
               <p:cNvPr id="27" name="TextBox 26">
@@ -15425,7 +15425,7 @@
             </p:txBody>
           </p:sp>
         </mc:Choice>
-        <mc:Fallback>
+        <mc:Fallback xmlns="">
           <p:sp>
             <p:nvSpPr>
               <p:cNvPr id="27" name="TextBox 26">
@@ -15772,8 +15772,8 @@
           </a:p>
         </p:txBody>
       </p:sp>
-      <mc:AlternateContent xmlns:mc="http://schemas.openxmlformats.org/markup-compatibility/2006">
-        <mc:Choice xmlns:a14="http://schemas.microsoft.com/office/drawing/2010/main" Requires="a14">
+      <mc:AlternateContent xmlns:mc="http://schemas.openxmlformats.org/markup-compatibility/2006" xmlns:a14="http://schemas.microsoft.com/office/drawing/2010/main">
+        <mc:Choice Requires="a14">
           <p:sp>
             <p:nvSpPr>
               <p:cNvPr id="3" name="Content Placeholder 2">
@@ -15989,7 +15989,7 @@
                         <m:begChr m:val="["/>
                         <m:endChr m:val="]"/>
                         <m:ctrlPr>
-                          <a:rPr lang="en-US" b="0" i="0" smtClean="0">
+                          <a:rPr lang="en-US" b="0" i="1" smtClean="0">
                             <a:solidFill>
                               <a:schemeClr val="tx1"/>
                             </a:solidFill>
@@ -17102,7 +17102,7 @@
             </p:txBody>
           </p:sp>
         </mc:Choice>
-        <mc:Fallback>
+        <mc:Fallback xmlns="">
           <p:sp>
             <p:nvSpPr>
               <p:cNvPr id="3" name="Content Placeholder 2">
@@ -18495,8 +18495,8 @@
           </a:p>
         </p:txBody>
       </p:sp>
-      <mc:AlternateContent xmlns:mc="http://schemas.openxmlformats.org/markup-compatibility/2006">
-        <mc:Choice xmlns:a14="http://schemas.microsoft.com/office/drawing/2010/main" Requires="a14">
+      <mc:AlternateContent xmlns:mc="http://schemas.openxmlformats.org/markup-compatibility/2006" xmlns:a14="http://schemas.microsoft.com/office/drawing/2010/main">
+        <mc:Choice Requires="a14">
           <p:sp>
             <p:nvSpPr>
               <p:cNvPr id="3" name="Content Placeholder 2">
@@ -22036,7 +22036,7 @@
             </p:txBody>
           </p:sp>
         </mc:Choice>
-        <mc:Fallback>
+        <mc:Fallback xmlns="">
           <p:sp>
             <p:nvSpPr>
               <p:cNvPr id="3" name="Content Placeholder 2">
@@ -22139,8 +22139,8 @@
           </a:p>
         </p:txBody>
       </p:sp>
-      <mc:AlternateContent xmlns:mc="http://schemas.openxmlformats.org/markup-compatibility/2006">
-        <mc:Choice xmlns:a14="http://schemas.microsoft.com/office/drawing/2010/main" Requires="a14">
+      <mc:AlternateContent xmlns:mc="http://schemas.openxmlformats.org/markup-compatibility/2006" xmlns:a14="http://schemas.microsoft.com/office/drawing/2010/main">
+        <mc:Choice Requires="a14">
           <p:sp>
             <p:nvSpPr>
               <p:cNvPr id="3" name="Content Placeholder 2">
@@ -23790,16 +23790,7 @@
                         </a:solidFill>
                         <a:latin typeface="Cambria Math" panose="02040503050406030204" pitchFamily="18" charset="0"/>
                       </a:rPr>
-                      <m:t>)</m:t>
-                    </m:r>
-                    <m:r>
-                      <a:rPr lang="en-US" i="1">
-                        <a:solidFill>
-                          <a:schemeClr val="tx1"/>
-                        </a:solidFill>
-                        <a:latin typeface="Cambria Math" panose="02040503050406030204" pitchFamily="18" charset="0"/>
-                      </a:rPr>
-                      <m:t>−</m:t>
+                      <m:t>)−</m:t>
                     </m:r>
                     <m:sSub>
                       <m:sSubPr>
@@ -26109,7 +26100,7 @@
             </p:txBody>
           </p:sp>
         </mc:Choice>
-        <mc:Fallback>
+        <mc:Fallback xmlns="">
           <p:sp>
             <p:nvSpPr>
               <p:cNvPr id="3" name="Content Placeholder 2">
@@ -26212,8 +26203,8 @@
           </a:p>
         </p:txBody>
       </p:sp>
-      <mc:AlternateContent xmlns:mc="http://schemas.openxmlformats.org/markup-compatibility/2006">
-        <mc:Choice xmlns:a14="http://schemas.microsoft.com/office/drawing/2010/main" Requires="a14">
+      <mc:AlternateContent xmlns:mc="http://schemas.openxmlformats.org/markup-compatibility/2006" xmlns:a14="http://schemas.microsoft.com/office/drawing/2010/main">
+        <mc:Choice Requires="a14">
           <p:sp>
             <p:nvSpPr>
               <p:cNvPr id="3" name="Content Placeholder 2">
@@ -26354,7 +26345,7 @@
             </p:txBody>
           </p:sp>
         </mc:Choice>
-        <mc:Fallback>
+        <mc:Fallback xmlns="">
           <p:sp>
             <p:nvSpPr>
               <p:cNvPr id="3" name="Content Placeholder 2">
@@ -26483,8 +26474,8 @@
           </a:p>
         </p:txBody>
       </p:sp>
-      <mc:AlternateContent xmlns:mc="http://schemas.openxmlformats.org/markup-compatibility/2006">
-        <mc:Choice xmlns:a14="http://schemas.microsoft.com/office/drawing/2010/main" Requires="a14">
+      <mc:AlternateContent xmlns:mc="http://schemas.openxmlformats.org/markup-compatibility/2006" xmlns:a14="http://schemas.microsoft.com/office/drawing/2010/main">
+        <mc:Choice Requires="a14">
           <p:sp>
             <p:nvSpPr>
               <p:cNvPr id="3" name="Content Placeholder 2">
@@ -26593,7 +26584,7 @@
             </p:txBody>
           </p:sp>
         </mc:Choice>
-        <mc:Fallback>
+        <mc:Fallback xmlns="">
           <p:sp>
             <p:nvSpPr>
               <p:cNvPr id="3" name="Content Placeholder 2">
@@ -29103,8 +29094,8 @@
           </a:p>
         </p:txBody>
       </p:sp>
-      <mc:AlternateContent xmlns:mc="http://schemas.openxmlformats.org/markup-compatibility/2006">
-        <mc:Choice xmlns:a14="http://schemas.microsoft.com/office/drawing/2010/main" Requires="a14">
+      <mc:AlternateContent xmlns:mc="http://schemas.openxmlformats.org/markup-compatibility/2006" xmlns:a14="http://schemas.microsoft.com/office/drawing/2010/main">
+        <mc:Choice Requires="a14">
           <p:sp>
             <p:nvSpPr>
               <p:cNvPr id="3" name="Content Placeholder 2">
@@ -30329,13 +30320,7 @@
                       <a:rPr lang="en-US" i="1">
                         <a:latin typeface="Cambria Math" panose="02040503050406030204" pitchFamily="18" charset="0"/>
                       </a:rPr>
-                      <m:t>&lt;</m:t>
-                    </m:r>
-                    <m:r>
-                      <a:rPr lang="en-US" i="1">
-                        <a:latin typeface="Cambria Math" panose="02040503050406030204" pitchFamily="18" charset="0"/>
-                      </a:rPr>
-                      <m:t>0</m:t>
+                      <m:t>&lt;0</m:t>
                     </m:r>
                   </m:oMath>
                 </a14:m>
@@ -30414,7 +30399,7 @@
             </p:txBody>
           </p:sp>
         </mc:Choice>
-        <mc:Fallback>
+        <mc:Fallback xmlns="">
           <p:sp>
             <p:nvSpPr>
               <p:cNvPr id="3" name="Content Placeholder 2">
@@ -31547,7 +31532,6 @@
               </a:bodyPr>
               <a:lstStyle/>
               <a:p>
-                <a:pPr/>
                 <a14:m>
                   <m:oMath xmlns:m="http://schemas.openxmlformats.org/officeDocument/2006/math">
                     <m:r>
@@ -31863,18 +31847,24 @@
                     <m:sSub>
                       <m:sSubPr>
                         <m:ctrlPr>
-                          <a:rPr lang="en-US"/>
+                          <a:rPr lang="en-US" i="1">
+                            <a:latin typeface="Cambria Math" panose="02040503050406030204" pitchFamily="18" charset="0"/>
+                          </a:rPr>
                         </m:ctrlPr>
                       </m:sSubPr>
                       <m:e>
                         <m:r>
-                          <a:rPr lang="en-US"/>
+                          <a:rPr lang="en-US">
+                            <a:latin typeface="Cambria Math" panose="02040503050406030204" pitchFamily="18" charset="0"/>
+                          </a:rPr>
                           <m:t>𝑆</m:t>
                         </m:r>
                       </m:e>
                       <m:sub>
                         <m:r>
-                          <a:rPr lang="en-US"/>
+                          <a:rPr lang="en-US">
+                            <a:latin typeface="Cambria Math" panose="02040503050406030204" pitchFamily="18" charset="0"/>
+                          </a:rPr>
                           <m:t>𝑡</m:t>
                         </m:r>
                       </m:sub>
@@ -31897,7 +31887,9 @@
                 <a14:m>
                   <m:oMath xmlns:m="http://schemas.openxmlformats.org/officeDocument/2006/math">
                     <m:r>
-                      <a:rPr lang="en-US"/>
+                      <a:rPr lang="en-US">
+                        <a:latin typeface="Cambria Math" panose="02040503050406030204" pitchFamily="18" charset="0"/>
+                      </a:rPr>
                       <m:t>𝑡</m:t>
                     </m:r>
                   </m:oMath>
@@ -31931,7 +31923,6 @@
                 </a:r>
               </a:p>
               <a:p>
-                <a:pPr/>
                 <a14:m>
                   <m:oMath xmlns:m="http://schemas.openxmlformats.org/officeDocument/2006/math">
                     <m:sSub>
@@ -32244,7 +32235,6 @@
                 </a:endParaRPr>
               </a:p>
               <a:p>
-                <a:pPr/>
                 <a14:m>
                   <m:oMath xmlns:m="http://schemas.openxmlformats.org/officeDocument/2006/math">
                     <m:r>
@@ -32640,7 +32630,6 @@
                 </a:endParaRPr>
               </a:p>
               <a:p>
-                <a:pPr/>
                 <a:r>
                   <a:rPr lang="en-US" dirty="0"/>
                   <a:t>Taking derivative w.r.t policy params </a:t>
@@ -32664,7 +32653,6 @@
                 </a:r>
               </a:p>
               <a:p>
-                <a:pPr/>
                 <a14:m>
                   <m:oMath xmlns:m="http://schemas.openxmlformats.org/officeDocument/2006/math">
                     <m:sSub>
@@ -33051,7 +33039,6 @@
                 </a:endParaRPr>
               </a:p>
               <a:p>
-                <a:pPr/>
                 <a14:m>
                   <m:oMath xmlns:m="http://schemas.openxmlformats.org/officeDocument/2006/math">
                     <m:r>
@@ -33458,7 +33445,6 @@
                 </a:endParaRPr>
               </a:p>
               <a:p>
-                <a:pPr/>
                 <a14:m>
                   <m:oMath xmlns:m="http://schemas.openxmlformats.org/officeDocument/2006/math">
                     <m:r>
@@ -34075,7 +34061,6 @@
                 </a:endParaRPr>
               </a:p>
               <a:p>
-                <a:pPr/>
                 <a14:m>
                   <m:oMath xmlns:m="http://schemas.openxmlformats.org/officeDocument/2006/math">
                     <m:r>
@@ -34121,6 +34106,15 @@
                         </m:r>
                       </m:sub>
                     </m:sSub>
+                    <m:r>
+                      <a:rPr lang="en-US" b="0" i="1" smtClean="0">
+                        <a:solidFill>
+                          <a:schemeClr val="tx1"/>
+                        </a:solidFill>
+                        <a:latin typeface="Cambria Math" panose="02040503050406030204" pitchFamily="18" charset="0"/>
+                      </a:rPr>
+                      <m:t>[</m:t>
+                    </m:r>
                     <m:sSub>
                       <m:sSubPr>
                         <m:ctrlPr>
@@ -34306,6 +34300,12 @@
                         </m:r>
                       </m:e>
                     </m:d>
+                    <m:r>
+                      <a:rPr lang="en-US" b="0" i="1" smtClean="0">
+                        <a:latin typeface="Cambria Math" panose="02040503050406030204" pitchFamily="18" charset="0"/>
+                      </a:rPr>
+                      <m:t>]</m:t>
+                    </m:r>
                   </m:oMath>
                 </a14:m>
                 <a:endParaRPr lang="en-US" b="0" i="1" dirty="0">
@@ -34361,6 +34361,15 @@
                         </m:r>
                       </m:sub>
                     </m:sSub>
+                    <m:r>
+                      <a:rPr lang="en-US" b="0" i="1" smtClean="0">
+                        <a:solidFill>
+                          <a:schemeClr val="tx1"/>
+                        </a:solidFill>
+                        <a:latin typeface="Cambria Math" panose="02040503050406030204" pitchFamily="18" charset="0"/>
+                      </a:rPr>
+                      <m:t>[</m:t>
+                    </m:r>
                     <m:sSub>
                       <m:sSubPr>
                         <m:ctrlPr>
@@ -34498,6 +34507,12 @@
                         </m:r>
                       </m:sub>
                     </m:sSub>
+                    <m:r>
+                      <a:rPr lang="en-US" b="0" i="1" smtClean="0">
+                        <a:latin typeface="Cambria Math" panose="02040503050406030204" pitchFamily="18" charset="0"/>
+                      </a:rPr>
+                      <m:t>]</m:t>
+                    </m:r>
                   </m:oMath>
                 </a14:m>
                 <a:endParaRPr lang="en-US" b="0" i="1" dirty="0">
@@ -34508,7 +34523,6 @@
                 </a:endParaRPr>
               </a:p>
               <a:p>
-                <a:pPr/>
                 <a:r>
                   <a:rPr lang="en-US" b="0" dirty="0">
                     <a:solidFill>
@@ -34551,6 +34565,7 @@
                             <a:solidFill>
                               <a:schemeClr val="tx1"/>
                             </a:solidFill>
+                            <a:latin typeface="Cambria Math" panose="02040503050406030204" pitchFamily="18" charset="0"/>
                           </a:rPr>
                         </m:ctrlPr>
                       </m:dPr>
@@ -34585,6 +34600,7 @@
                             <a:solidFill>
                               <a:schemeClr val="tx1"/>
                             </a:solidFill>
+                            <a:latin typeface="Cambria Math" panose="02040503050406030204" pitchFamily="18" charset="0"/>
                           </a:rPr>
                           <m:t>, </m:t>
                         </m:r>
@@ -34593,6 +34609,7 @@
                             <a:solidFill>
                               <a:schemeClr val="tx1"/>
                             </a:solidFill>
+                            <a:latin typeface="Cambria Math" panose="02040503050406030204" pitchFamily="18" charset="0"/>
                           </a:rPr>
                           <m:t>𝑈</m:t>
                         </m:r>
@@ -34605,15 +34622,7 @@
                         </a:solidFill>
                         <a:latin typeface="Cambria Math" panose="02040503050406030204" pitchFamily="18" charset="0"/>
                       </a:rPr>
-                      <m:t>&gt;0</m:t>
-                    </m:r>
-                    <m:r>
-                      <a:rPr lang="en-US" b="0" i="1" smtClean="0">
-                        <a:solidFill>
-                          <a:schemeClr val="tx1"/>
-                        </a:solidFill>
-                      </a:rPr>
-                      <m:t>,</m:t>
+                      <m:t>&gt;0,</m:t>
                     </m:r>
                     <m:sSub>
                       <m:sSubPr>
@@ -34647,6 +34656,7 @@
                             <a:solidFill>
                               <a:schemeClr val="tx1"/>
                             </a:solidFill>
+                            <a:latin typeface="Cambria Math" panose="02040503050406030204" pitchFamily="18" charset="0"/>
                           </a:rPr>
                         </m:ctrlPr>
                       </m:dPr>
@@ -34681,6 +34691,7 @@
                             <a:solidFill>
                               <a:schemeClr val="tx1"/>
                             </a:solidFill>
+                            <a:latin typeface="Cambria Math" panose="02040503050406030204" pitchFamily="18" charset="0"/>
                           </a:rPr>
                           <m:t>, </m:t>
                         </m:r>
@@ -34689,6 +34700,7 @@
                             <a:solidFill>
                               <a:schemeClr val="tx1"/>
                             </a:solidFill>
+                            <a:latin typeface="Cambria Math" panose="02040503050406030204" pitchFamily="18" charset="0"/>
                           </a:rPr>
                           <m:t>𝐷</m:t>
                         </m:r>
@@ -34853,6 +34865,7 @@
                             <a:solidFill>
                               <a:schemeClr val="tx1"/>
                             </a:solidFill>
+                            <a:latin typeface="Cambria Math" panose="02040503050406030204" pitchFamily="18" charset="0"/>
                           </a:rPr>
                         </m:ctrlPr>
                       </m:sSubPr>
@@ -34862,6 +34875,7 @@
                             <a:solidFill>
                               <a:schemeClr val="tx1"/>
                             </a:solidFill>
+                            <a:latin typeface="Cambria Math" panose="02040503050406030204" pitchFamily="18" charset="0"/>
                           </a:rPr>
                           <m:t>𝑆</m:t>
                         </m:r>
@@ -34872,6 +34886,7 @@
                             <a:solidFill>
                               <a:schemeClr val="tx1"/>
                             </a:solidFill>
+                            <a:latin typeface="Cambria Math" panose="02040503050406030204" pitchFamily="18" charset="0"/>
                           </a:rPr>
                           <m:t>𝑡</m:t>
                         </m:r>
@@ -34902,6 +34917,7 @@
                         <a:solidFill>
                           <a:schemeClr val="tx1"/>
                         </a:solidFill>
+                        <a:latin typeface="Cambria Math" panose="02040503050406030204" pitchFamily="18" charset="0"/>
                       </a:rPr>
                       <m:t>𝜽</m:t>
                     </m:r>
@@ -34910,6 +34926,7 @@
                         <a:solidFill>
                           <a:schemeClr val="tx1"/>
                         </a:solidFill>
+                        <a:latin typeface="Cambria Math" panose="02040503050406030204" pitchFamily="18" charset="0"/>
                       </a:rPr>
                       <m:t>←</m:t>
                     </m:r>
@@ -34918,6 +34935,7 @@
                         <a:solidFill>
                           <a:schemeClr val="tx1"/>
                         </a:solidFill>
+                        <a:latin typeface="Cambria Math" panose="02040503050406030204" pitchFamily="18" charset="0"/>
                       </a:rPr>
                       <m:t>𝜽</m:t>
                     </m:r>
@@ -34926,6 +34944,7 @@
                         <a:solidFill>
                           <a:schemeClr val="tx1"/>
                         </a:solidFill>
+                        <a:latin typeface="Cambria Math" panose="02040503050406030204" pitchFamily="18" charset="0"/>
                       </a:rPr>
                       <m:t>+</m:t>
                     </m:r>
@@ -34934,6 +34953,7 @@
                         <a:solidFill>
                           <a:schemeClr val="tx1"/>
                         </a:solidFill>
+                        <a:latin typeface="Cambria Math" panose="02040503050406030204" pitchFamily="18" charset="0"/>
                       </a:rPr>
                       <m:t>𝛼</m:t>
                     </m:r>
@@ -35087,6 +35107,7 @@
                             <a:solidFill>
                               <a:schemeClr val="tx1"/>
                             </a:solidFill>
+                            <a:latin typeface="Cambria Math" panose="02040503050406030204" pitchFamily="18" charset="0"/>
                           </a:rPr>
                         </m:ctrlPr>
                       </m:dPr>
@@ -35098,6 +35119,7 @@
                                 <a:solidFill>
                                   <a:schemeClr val="tx1"/>
                                 </a:solidFill>
+                                <a:latin typeface="Cambria Math" panose="02040503050406030204" pitchFamily="18" charset="0"/>
                               </a:rPr>
                             </m:ctrlPr>
                           </m:sSubPr>
@@ -35107,6 +35129,7 @@
                                 <a:solidFill>
                                   <a:schemeClr val="tx1"/>
                                 </a:solidFill>
+                                <a:latin typeface="Cambria Math" panose="02040503050406030204" pitchFamily="18" charset="0"/>
                               </a:rPr>
                               <m:t>𝑆</m:t>
                             </m:r>
@@ -35117,6 +35140,7 @@
                                 <a:solidFill>
                                   <a:schemeClr val="tx1"/>
                                 </a:solidFill>
+                                <a:latin typeface="Cambria Math" panose="02040503050406030204" pitchFamily="18" charset="0"/>
                               </a:rPr>
                               <m:t>𝑡</m:t>
                             </m:r>
@@ -35127,6 +35151,7 @@
                             <a:solidFill>
                               <a:schemeClr val="tx1"/>
                             </a:solidFill>
+                            <a:latin typeface="Cambria Math" panose="02040503050406030204" pitchFamily="18" charset="0"/>
                           </a:rPr>
                           <m:t>, </m:t>
                         </m:r>
@@ -35135,6 +35160,7 @@
                             <a:solidFill>
                               <a:schemeClr val="tx1"/>
                             </a:solidFill>
+                            <a:latin typeface="Cambria Math" panose="02040503050406030204" pitchFamily="18" charset="0"/>
                           </a:rPr>
                           <m:t>𝑈</m:t>
                         </m:r>
@@ -35161,6 +35187,7 @@
                         <a:solidFill>
                           <a:schemeClr val="tx1"/>
                         </a:solidFill>
+                        <a:latin typeface="Cambria Math" panose="02040503050406030204" pitchFamily="18" charset="0"/>
                       </a:rPr>
                       <m:t>𝜋</m:t>
                     </m:r>
@@ -35171,6 +35198,7 @@
                             <a:solidFill>
                               <a:schemeClr val="tx1"/>
                             </a:solidFill>
+                            <a:latin typeface="Cambria Math" panose="02040503050406030204" pitchFamily="18" charset="0"/>
                           </a:rPr>
                         </m:ctrlPr>
                       </m:dPr>
@@ -35180,6 +35208,7 @@
                             <a:solidFill>
                               <a:schemeClr val="tx1"/>
                             </a:solidFill>
+                            <a:latin typeface="Cambria Math" panose="02040503050406030204" pitchFamily="18" charset="0"/>
                           </a:rPr>
                           <m:t>𝑈</m:t>
                         </m:r>
@@ -35215,6 +35244,7 @@
                             <a:solidFill>
                               <a:schemeClr val="tx1"/>
                             </a:solidFill>
+                            <a:latin typeface="Cambria Math" panose="02040503050406030204" pitchFamily="18" charset="0"/>
                           </a:rPr>
                           <m:t>,</m:t>
                         </m:r>
@@ -35223,6 +35253,7 @@
                             <a:solidFill>
                               <a:schemeClr val="tx1"/>
                             </a:solidFill>
+                            <a:latin typeface="Cambria Math" panose="02040503050406030204" pitchFamily="18" charset="0"/>
                           </a:rPr>
                           <m:t>𝜃</m:t>
                         </m:r>
@@ -35263,6 +35294,7 @@
                             <a:solidFill>
                               <a:schemeClr val="tx1"/>
                             </a:solidFill>
+                            <a:latin typeface="Cambria Math" panose="02040503050406030204" pitchFamily="18" charset="0"/>
                           </a:rPr>
                         </m:ctrlPr>
                       </m:sSubPr>
@@ -35272,6 +35304,7 @@
                             <a:solidFill>
                               <a:schemeClr val="tx1"/>
                             </a:solidFill>
+                            <a:latin typeface="Cambria Math" panose="02040503050406030204" pitchFamily="18" charset="0"/>
                           </a:rPr>
                           <m:t>𝑆</m:t>
                         </m:r>
@@ -35282,6 +35315,7 @@
                             <a:solidFill>
                               <a:schemeClr val="tx1"/>
                             </a:solidFill>
+                            <a:latin typeface="Cambria Math" panose="02040503050406030204" pitchFamily="18" charset="0"/>
                           </a:rPr>
                           <m:t>𝑡</m:t>
                         </m:r>
@@ -35785,8 +35819,8 @@
           </a:p>
         </p:txBody>
       </p:sp>
-      <mc:AlternateContent xmlns:mc="http://schemas.openxmlformats.org/markup-compatibility/2006">
-        <mc:Choice xmlns:a14="http://schemas.microsoft.com/office/drawing/2010/main" Requires="a14">
+      <mc:AlternateContent xmlns:mc="http://schemas.openxmlformats.org/markup-compatibility/2006" xmlns:a14="http://schemas.microsoft.com/office/drawing/2010/main">
+        <mc:Choice Requires="a14">
           <p:sp>
             <p:nvSpPr>
               <p:cNvPr id="3" name="Content Placeholder 2">
@@ -36748,7 +36782,7 @@
             </p:txBody>
           </p:sp>
         </mc:Choice>
-        <mc:Fallback>
+        <mc:Fallback xmlns="">
           <p:sp>
             <p:nvSpPr>
               <p:cNvPr id="3" name="Content Placeholder 2">
@@ -38327,8 +38361,8 @@
           </a:p>
         </p:txBody>
       </p:sp>
-      <mc:AlternateContent xmlns:mc="http://schemas.openxmlformats.org/markup-compatibility/2006">
-        <mc:Choice xmlns:a14="http://schemas.microsoft.com/office/drawing/2010/main" Requires="a14">
+      <mc:AlternateContent xmlns:mc="http://schemas.openxmlformats.org/markup-compatibility/2006" xmlns:a14="http://schemas.microsoft.com/office/drawing/2010/main">
+        <mc:Choice Requires="a14">
           <p:sp>
             <p:nvSpPr>
               <p:cNvPr id="3" name="Content Placeholder 2">
@@ -38523,7 +38557,7 @@
             </p:txBody>
           </p:sp>
         </mc:Choice>
-        <mc:Fallback>
+        <mc:Fallback xmlns="">
           <p:sp>
             <p:nvSpPr>
               <p:cNvPr id="3" name="Content Placeholder 2">
@@ -39625,8 +39659,8 @@
           <a:chExt cx="0" cy="0"/>
         </a:xfrm>
       </p:grpSpPr>
-      <mc:AlternateContent xmlns:mc="http://schemas.openxmlformats.org/markup-compatibility/2006">
-        <mc:Choice xmlns:a14="http://schemas.microsoft.com/office/drawing/2010/main" Requires="a14">
+      <mc:AlternateContent xmlns:mc="http://schemas.openxmlformats.org/markup-compatibility/2006" xmlns:a14="http://schemas.microsoft.com/office/drawing/2010/main">
+        <mc:Choice Requires="a14">
           <p:sp>
             <p:nvSpPr>
               <p:cNvPr id="2" name="Title 1">
@@ -39676,7 +39710,7 @@
             </p:txBody>
           </p:sp>
         </mc:Choice>
-        <mc:Fallback>
+        <mc:Fallback xmlns="">
           <p:sp>
             <p:nvSpPr>
               <p:cNvPr id="2" name="Title 1">
@@ -39720,8 +39754,8 @@
           </p:sp>
         </mc:Fallback>
       </mc:AlternateContent>
-      <mc:AlternateContent xmlns:mc="http://schemas.openxmlformats.org/markup-compatibility/2006">
-        <mc:Choice xmlns:a14="http://schemas.microsoft.com/office/drawing/2010/main" Requires="a14">
+      <mc:AlternateContent xmlns:mc="http://schemas.openxmlformats.org/markup-compatibility/2006" xmlns:a14="http://schemas.microsoft.com/office/drawing/2010/main">
+        <mc:Choice Requires="a14">
           <p:sp>
             <p:nvSpPr>
               <p:cNvPr id="3" name="Content Placeholder 2">
@@ -40532,7 +40566,7 @@
             </p:txBody>
           </p:sp>
         </mc:Choice>
-        <mc:Fallback>
+        <mc:Fallback xmlns="">
           <p:sp>
             <p:nvSpPr>
               <p:cNvPr id="3" name="Content Placeholder 2">
@@ -42412,6 +42446,15 @@
 </file>
 
 <file path=customXml/item1.xml><?xml version="1.0" encoding="utf-8"?>
+<?mso-contentType ?>
+<FormTemplates xmlns="http://schemas.microsoft.com/sharepoint/v3/contenttype/forms">
+  <Display>DocumentLibraryForm</Display>
+  <Edit>DocumentLibraryForm</Edit>
+  <New>DocumentLibraryForm</New>
+</FormTemplates>
+</file>
+
+<file path=customXml/item2.xml><?xml version="1.0" encoding="utf-8"?>
 <ct:contentTypeSchema xmlns:ct="http://schemas.microsoft.com/office/2006/metadata/contentType" xmlns:ma="http://schemas.microsoft.com/office/2006/metadata/properties/metaAttributes" ct:_="" ma:_="" ma:contentTypeName="Document" ma:contentTypeID="0x01010004C9F4636FD8CF4DBA576E51CE9A9557" ma:contentTypeVersion="2" ma:contentTypeDescription="Create a new document." ma:contentTypeScope="" ma:versionID="f81b2d1ebf067b2fadb277216ce19594">
   <xsd:schema xmlns:xsd="http://www.w3.org/2001/XMLSchema" xmlns:xs="http://www.w3.org/2001/XMLSchema" xmlns:p="http://schemas.microsoft.com/office/2006/metadata/properties" xmlns:ns3="221e1496-d443-4306-ad63-a100e0046a13" targetNamespace="http://schemas.microsoft.com/office/2006/metadata/properties" ma:root="true" ma:fieldsID="090bdcfad224ed1fbc2c710fa119c475" ns3:_="">
     <xsd:import namespace="221e1496-d443-4306-ad63-a100e0046a13"/>
@@ -42543,15 +42586,6 @@
 </ct:contentTypeSchema>
 </file>
 
-<file path=customXml/item2.xml><?xml version="1.0" encoding="utf-8"?>
-<?mso-contentType ?>
-<FormTemplates xmlns="http://schemas.microsoft.com/sharepoint/v3/contenttype/forms">
-  <Display>DocumentLibraryForm</Display>
-  <Edit>DocumentLibraryForm</Edit>
-  <New>DocumentLibraryForm</New>
-</FormTemplates>
-</file>
-
 <file path=customXml/item3.xml><?xml version="1.0" encoding="utf-8"?>
 <p:properties xmlns:p="http://schemas.microsoft.com/office/2006/metadata/properties" xmlns:xsi="http://www.w3.org/2001/XMLSchema-instance" xmlns:pc="http://schemas.microsoft.com/office/infopath/2007/PartnerControls">
   <documentManagement/>
@@ -42559,6 +42593,14 @@
 </file>
 
 <file path=customXml/itemProps1.xml><?xml version="1.0" encoding="utf-8"?>
+<ds:datastoreItem xmlns:ds="http://schemas.openxmlformats.org/officeDocument/2006/customXml" ds:itemID="{C57B2AAA-3E84-49CC-BE6D-CB4399E554EF}">
+  <ds:schemaRefs>
+    <ds:schemaRef ds:uri="http://schemas.microsoft.com/sharepoint/v3/contenttype/forms"/>
+  </ds:schemaRefs>
+</ds:datastoreItem>
+</file>
+
+<file path=customXml/itemProps2.xml><?xml version="1.0" encoding="utf-8"?>
 <ds:datastoreItem xmlns:ds="http://schemas.openxmlformats.org/officeDocument/2006/customXml" ds:itemID="{29A97BC6-6203-4F30-B7CB-9CE25787E777}">
   <ds:schemaRefs>
     <ds:schemaRef ds:uri="http://schemas.microsoft.com/office/2006/metadata/contentType"/>
@@ -42572,14 +42614,6 @@
     <ds:schemaRef ds:uri="http://purl.org/dc/elements/1.1/"/>
     <ds:schemaRef ds:uri="http://purl.org/dc/terms/"/>
     <ds:schemaRef ds:uri="http://schemas.microsoft.com/internal/obd"/>
-  </ds:schemaRefs>
-</ds:datastoreItem>
-</file>
-
-<file path=customXml/itemProps2.xml><?xml version="1.0" encoding="utf-8"?>
-<ds:datastoreItem xmlns:ds="http://schemas.openxmlformats.org/officeDocument/2006/customXml" ds:itemID="{C57B2AAA-3E84-49CC-BE6D-CB4399E554EF}">
-  <ds:schemaRefs>
-    <ds:schemaRef ds:uri="http://schemas.microsoft.com/sharepoint/v3/contenttype/forms"/>
   </ds:schemaRefs>
 </ds:datastoreItem>
 </file>
